--- a/data/数据说明.pptx
+++ b/data/数据说明.pptx
@@ -107,7 +107,7 @@
   </p:defaultTextStyle>
   <p:extLst>
     <p:ext uri="{EFAFB233-063F-42B5-8137-9DF3F51BA10A}">
-      <p15:sldGuideLst xmlns:p15="http://schemas.microsoft.com/office/powerpoint/2012/main">
+      <p15:sldGuideLst xmlns:p15="http://schemas.microsoft.com/office/powerpoint/2012/main" xmlns="">
         <p15:guide id="1" orient="horz" pos="2160">
           <p15:clr>
             <a:srgbClr val="A4A3A4"/>
@@ -253,7 +253,7 @@
           <a:p>
             <a:fld id="{B3D77E92-E39E-4121-9BB3-99546AECE580}" type="datetimeFigureOut">
               <a:rPr lang="zh-CN" altLang="en-US" smtClean="0"/>
-              <a:t>2017/9/12</a:t>
+              <a:t>2017/9/16</a:t>
             </a:fld>
             <a:endParaRPr lang="zh-CN" altLang="en-US"/>
           </a:p>
@@ -421,7 +421,7 @@
           <a:p>
             <a:fld id="{B3D77E92-E39E-4121-9BB3-99546AECE580}" type="datetimeFigureOut">
               <a:rPr lang="zh-CN" altLang="en-US" smtClean="0"/>
-              <a:t>2017/9/12</a:t>
+              <a:t>2017/9/16</a:t>
             </a:fld>
             <a:endParaRPr lang="zh-CN" altLang="en-US"/>
           </a:p>
@@ -599,7 +599,7 @@
           <a:p>
             <a:fld id="{B3D77E92-E39E-4121-9BB3-99546AECE580}" type="datetimeFigureOut">
               <a:rPr lang="zh-CN" altLang="en-US" smtClean="0"/>
-              <a:t>2017/9/12</a:t>
+              <a:t>2017/9/16</a:t>
             </a:fld>
             <a:endParaRPr lang="zh-CN" altLang="en-US"/>
           </a:p>
@@ -767,7 +767,7 @@
           <a:p>
             <a:fld id="{B3D77E92-E39E-4121-9BB3-99546AECE580}" type="datetimeFigureOut">
               <a:rPr lang="zh-CN" altLang="en-US" smtClean="0"/>
-              <a:t>2017/9/12</a:t>
+              <a:t>2017/9/16</a:t>
             </a:fld>
             <a:endParaRPr lang="zh-CN" altLang="en-US"/>
           </a:p>
@@ -1012,7 +1012,7 @@
           <a:p>
             <a:fld id="{B3D77E92-E39E-4121-9BB3-99546AECE580}" type="datetimeFigureOut">
               <a:rPr lang="zh-CN" altLang="en-US" smtClean="0"/>
-              <a:t>2017/9/12</a:t>
+              <a:t>2017/9/16</a:t>
             </a:fld>
             <a:endParaRPr lang="zh-CN" altLang="en-US"/>
           </a:p>
@@ -1241,7 +1241,7 @@
           <a:p>
             <a:fld id="{B3D77E92-E39E-4121-9BB3-99546AECE580}" type="datetimeFigureOut">
               <a:rPr lang="zh-CN" altLang="en-US" smtClean="0"/>
-              <a:t>2017/9/12</a:t>
+              <a:t>2017/9/16</a:t>
             </a:fld>
             <a:endParaRPr lang="zh-CN" altLang="en-US"/>
           </a:p>
@@ -1605,7 +1605,7 @@
           <a:p>
             <a:fld id="{B3D77E92-E39E-4121-9BB3-99546AECE580}" type="datetimeFigureOut">
               <a:rPr lang="zh-CN" altLang="en-US" smtClean="0"/>
-              <a:t>2017/9/12</a:t>
+              <a:t>2017/9/16</a:t>
             </a:fld>
             <a:endParaRPr lang="zh-CN" altLang="en-US"/>
           </a:p>
@@ -1722,7 +1722,7 @@
           <a:p>
             <a:fld id="{B3D77E92-E39E-4121-9BB3-99546AECE580}" type="datetimeFigureOut">
               <a:rPr lang="zh-CN" altLang="en-US" smtClean="0"/>
-              <a:t>2017/9/12</a:t>
+              <a:t>2017/9/16</a:t>
             </a:fld>
             <a:endParaRPr lang="zh-CN" altLang="en-US"/>
           </a:p>
@@ -1817,7 +1817,7 @@
           <a:p>
             <a:fld id="{B3D77E92-E39E-4121-9BB3-99546AECE580}" type="datetimeFigureOut">
               <a:rPr lang="zh-CN" altLang="en-US" smtClean="0"/>
-              <a:t>2017/9/12</a:t>
+              <a:t>2017/9/16</a:t>
             </a:fld>
             <a:endParaRPr lang="zh-CN" altLang="en-US"/>
           </a:p>
@@ -2092,7 +2092,7 @@
           <a:p>
             <a:fld id="{B3D77E92-E39E-4121-9BB3-99546AECE580}" type="datetimeFigureOut">
               <a:rPr lang="zh-CN" altLang="en-US" smtClean="0"/>
-              <a:t>2017/9/12</a:t>
+              <a:t>2017/9/16</a:t>
             </a:fld>
             <a:endParaRPr lang="zh-CN" altLang="en-US"/>
           </a:p>
@@ -2344,7 +2344,7 @@
           <a:p>
             <a:fld id="{B3D77E92-E39E-4121-9BB3-99546AECE580}" type="datetimeFigureOut">
               <a:rPr lang="zh-CN" altLang="en-US" smtClean="0"/>
-              <a:t>2017/9/12</a:t>
+              <a:t>2017/9/16</a:t>
             </a:fld>
             <a:endParaRPr lang="zh-CN" altLang="en-US"/>
           </a:p>
@@ -2555,7 +2555,7 @@
           <a:p>
             <a:fld id="{B3D77E92-E39E-4121-9BB3-99546AECE580}" type="datetimeFigureOut">
               <a:rPr lang="zh-CN" altLang="en-US" smtClean="0"/>
-              <a:t>2017/9/12</a:t>
+              <a:t>2017/9/16</a:t>
             </a:fld>
             <a:endParaRPr lang="zh-CN" altLang="en-US"/>
           </a:p>
@@ -3750,7 +3750,7 @@
     </a:clrScheme>
     <a:fontScheme name="Office">
       <a:majorFont>
-        <a:latin typeface="Calibri Light" panose="020F0302020204030204"/>
+        <a:latin typeface="Calibri Light"/>
         <a:ea typeface=""/>
         <a:cs typeface=""/>
         <a:font script="Jpan" typeface="ＭＳ Ｐゴシック"/>
@@ -3785,7 +3785,7 @@
         <a:font script="Geor" typeface="Sylfaen"/>
       </a:majorFont>
       <a:minorFont>
-        <a:latin typeface="Calibri" panose="020F0502020204030204"/>
+        <a:latin typeface="Calibri"/>
         <a:ea typeface=""/>
         <a:cs typeface=""/>
         <a:font script="Jpan" typeface="ＭＳ Ｐゴシック"/>
@@ -3962,7 +3962,7 @@
   <a:extraClrSchemeLst/>
   <a:extLst>
     <a:ext uri="{05A4C25C-085E-4340-85A3-A5531E510DB2}">
-      <thm15:themeFamily xmlns:thm15="http://schemas.microsoft.com/office/thememl/2012/main" name="Office Theme" id="{62F939B6-93AF-4DB8-9C6B-D6C7DFDC589F}" vid="{4A3C46E8-61CC-4603-A589-7422A47A8E4A}"/>
+      <thm15:themeFamily xmlns:thm15="http://schemas.microsoft.com/office/thememl/2012/main" xmlns="" name="Office Theme" id="{62F939B6-93AF-4DB8-9C6B-D6C7DFDC589F}" vid="{4A3C46E8-61CC-4603-A589-7422A47A8E4A}"/>
     </a:ext>
   </a:extLst>
 </a:theme>
